--- a/docs/painExpectPressureV3/VisualStimuli.pptx
+++ b/docs/painExpectPressureV3/VisualStimuli.pptx
@@ -1146,7 +1146,7 @@
           <a:p>
             <a:fld id="{5DDC2AD2-AF99-47A6-A968-A5E9DAC693F2}" type="datetimeFigureOut">
               <a:rPr lang="en-DK" smtClean="0"/>
-              <a:t>03/09/2023</a:t>
+              <a:t>14/04/2024</a:t>
             </a:fld>
             <a:endParaRPr lang="en-DK"/>
           </a:p>
@@ -3763,7 +3763,7 @@
           <a:p>
             <a:fld id="{B3C54930-DF73-4683-BEE7-FFCD5ED63EE6}" type="datetimeFigureOut">
               <a:rPr lang="en-DK" smtClean="0"/>
-              <a:t>03/09/2023</a:t>
+              <a:t>14/04/2024</a:t>
             </a:fld>
             <a:endParaRPr lang="en-DK"/>
           </a:p>
@@ -3963,7 +3963,7 @@
           <a:p>
             <a:fld id="{B3C54930-DF73-4683-BEE7-FFCD5ED63EE6}" type="datetimeFigureOut">
               <a:rPr lang="en-DK" smtClean="0"/>
-              <a:t>03/09/2023</a:t>
+              <a:t>14/04/2024</a:t>
             </a:fld>
             <a:endParaRPr lang="en-DK"/>
           </a:p>
@@ -4173,7 +4173,7 @@
           <a:p>
             <a:fld id="{B3C54930-DF73-4683-BEE7-FFCD5ED63EE6}" type="datetimeFigureOut">
               <a:rPr lang="en-DK" smtClean="0"/>
-              <a:t>03/09/2023</a:t>
+              <a:t>14/04/2024</a:t>
             </a:fld>
             <a:endParaRPr lang="en-DK"/>
           </a:p>
@@ -4373,7 +4373,7 @@
           <a:p>
             <a:fld id="{B3C54930-DF73-4683-BEE7-FFCD5ED63EE6}" type="datetimeFigureOut">
               <a:rPr lang="en-DK" smtClean="0"/>
-              <a:t>03/09/2023</a:t>
+              <a:t>14/04/2024</a:t>
             </a:fld>
             <a:endParaRPr lang="en-DK"/>
           </a:p>
@@ -4649,7 +4649,7 @@
           <a:p>
             <a:fld id="{B3C54930-DF73-4683-BEE7-FFCD5ED63EE6}" type="datetimeFigureOut">
               <a:rPr lang="en-DK" smtClean="0"/>
-              <a:t>03/09/2023</a:t>
+              <a:t>14/04/2024</a:t>
             </a:fld>
             <a:endParaRPr lang="en-DK"/>
           </a:p>
@@ -4917,7 +4917,7 @@
           <a:p>
             <a:fld id="{B3C54930-DF73-4683-BEE7-FFCD5ED63EE6}" type="datetimeFigureOut">
               <a:rPr lang="en-DK" smtClean="0"/>
-              <a:t>03/09/2023</a:t>
+              <a:t>14/04/2024</a:t>
             </a:fld>
             <a:endParaRPr lang="en-DK"/>
           </a:p>
@@ -5332,7 +5332,7 @@
           <a:p>
             <a:fld id="{B3C54930-DF73-4683-BEE7-FFCD5ED63EE6}" type="datetimeFigureOut">
               <a:rPr lang="en-DK" smtClean="0"/>
-              <a:t>03/09/2023</a:t>
+              <a:t>14/04/2024</a:t>
             </a:fld>
             <a:endParaRPr lang="en-DK"/>
           </a:p>
@@ -5474,7 +5474,7 @@
           <a:p>
             <a:fld id="{B3C54930-DF73-4683-BEE7-FFCD5ED63EE6}" type="datetimeFigureOut">
               <a:rPr lang="en-DK" smtClean="0"/>
-              <a:t>03/09/2023</a:t>
+              <a:t>14/04/2024</a:t>
             </a:fld>
             <a:endParaRPr lang="en-DK"/>
           </a:p>
@@ -5587,7 +5587,7 @@
           <a:p>
             <a:fld id="{B3C54930-DF73-4683-BEE7-FFCD5ED63EE6}" type="datetimeFigureOut">
               <a:rPr lang="en-DK" smtClean="0"/>
-              <a:t>03/09/2023</a:t>
+              <a:t>14/04/2024</a:t>
             </a:fld>
             <a:endParaRPr lang="en-DK"/>
           </a:p>
@@ -5900,7 +5900,7 @@
           <a:p>
             <a:fld id="{B3C54930-DF73-4683-BEE7-FFCD5ED63EE6}" type="datetimeFigureOut">
               <a:rPr lang="en-DK" smtClean="0"/>
-              <a:t>03/09/2023</a:t>
+              <a:t>14/04/2024</a:t>
             </a:fld>
             <a:endParaRPr lang="en-DK"/>
           </a:p>
@@ -6189,7 +6189,7 @@
           <a:p>
             <a:fld id="{B3C54930-DF73-4683-BEE7-FFCD5ED63EE6}" type="datetimeFigureOut">
               <a:rPr lang="en-DK" smtClean="0"/>
-              <a:t>03/09/2023</a:t>
+              <a:t>14/04/2024</a:t>
             </a:fld>
             <a:endParaRPr lang="en-DK"/>
           </a:p>
@@ -6432,7 +6432,7 @@
           <a:p>
             <a:fld id="{B3C54930-DF73-4683-BEE7-FFCD5ED63EE6}" type="datetimeFigureOut">
               <a:rPr lang="en-DK" smtClean="0"/>
-              <a:t>03/09/2023</a:t>
+              <a:t>14/04/2024</a:t>
             </a:fld>
             <a:endParaRPr lang="en-DK"/>
           </a:p>
@@ -14430,15 +14430,6 @@
 </file>
 
 <file path=customXml/item1.xml><?xml version="1.0" encoding="utf-8"?>
-<?mso-contentType ?>
-<FormTemplates xmlns="http://schemas.microsoft.com/sharepoint/v3/contenttype/forms">
-  <Display>DocumentLibraryForm</Display>
-  <Edit>DocumentLibraryForm</Edit>
-  <New>DocumentLibraryForm</New>
-</FormTemplates>
-</file>
-
-<file path=customXml/item2.xml><?xml version="1.0" encoding="utf-8"?>
 <ct:contentTypeSchema xmlns:ct="http://schemas.microsoft.com/office/2006/metadata/contentType" xmlns:ma="http://schemas.microsoft.com/office/2006/metadata/properties/metaAttributes" ct:_="" ma:_="" ma:contentTypeName="Document" ma:contentTypeID="0x0101005B996248A2D0E04D87B9DBB54D269DA4" ma:contentTypeVersion="17" ma:contentTypeDescription="Create a new document." ma:contentTypeScope="" ma:versionID="ccde82052730f3953ccb22e595f11d68">
   <xsd:schema xmlns:xsd="http://www.w3.org/2001/XMLSchema" xmlns:xs="http://www.w3.org/2001/XMLSchema" xmlns:p="http://schemas.microsoft.com/office/2006/metadata/properties" xmlns:ns2="51c7d8ad-74c8-4833-8478-0d0a5cafce0c" xmlns:ns3="6dfb7b4b-871d-4c24-9d42-16b14ecd044c" targetNamespace="http://schemas.microsoft.com/office/2006/metadata/properties" ma:root="true" ma:fieldsID="cdfcea1928cd178ac0427a8aa8ed82fa" ns2:_="" ns3:_="">
     <xsd:import namespace="51c7d8ad-74c8-4833-8478-0d0a5cafce0c"/>
@@ -14687,15 +14678,16 @@
 </ct:contentTypeSchema>
 </file>
 
-<file path=customXml/itemProps1.xml><?xml version="1.0" encoding="utf-8"?>
-<ds:datastoreItem xmlns:ds="http://schemas.openxmlformats.org/officeDocument/2006/customXml" ds:itemID="{F60A0FA9-53AC-454F-9DB0-1312247196FB}">
-  <ds:schemaRefs>
-    <ds:schemaRef ds:uri="http://schemas.microsoft.com/sharepoint/v3/contenttype/forms"/>
-  </ds:schemaRefs>
-</ds:datastoreItem>
+<file path=customXml/item2.xml><?xml version="1.0" encoding="utf-8"?>
+<?mso-contentType ?>
+<FormTemplates xmlns="http://schemas.microsoft.com/sharepoint/v3/contenttype/forms">
+  <Display>DocumentLibraryForm</Display>
+  <Edit>DocumentLibraryForm</Edit>
+  <New>DocumentLibraryForm</New>
+</FormTemplates>
 </file>
 
-<file path=customXml/itemProps2.xml><?xml version="1.0" encoding="utf-8"?>
+<file path=customXml/itemProps1.xml><?xml version="1.0" encoding="utf-8"?>
 <ds:datastoreItem xmlns:ds="http://schemas.openxmlformats.org/officeDocument/2006/customXml" ds:itemID="{45414D3F-B1C5-403E-BB47-0DA0186A25FD}">
   <ds:schemaRefs>
     <ds:schemaRef ds:uri="http://schemas.microsoft.com/office/2006/metadata/contentType"/>
@@ -14712,4 +14704,12 @@
     <ds:schemaRef ds:uri="http://schemas.microsoft.com/internal/obd"/>
   </ds:schemaRefs>
 </ds:datastoreItem>
+</file>
+
+<file path=customXml/itemProps2.xml><?xml version="1.0" encoding="utf-8"?>
+<ds:datastoreItem xmlns:ds="http://schemas.openxmlformats.org/officeDocument/2006/customXml" ds:itemID="{F60A0FA9-53AC-454F-9DB0-1312247196FB}">
+  <ds:schemaRefs>
+    <ds:schemaRef ds:uri="http://schemas.microsoft.com/sharepoint/v3/contenttype/forms"/>
+  </ds:schemaRefs>
+</ds:datastoreItem>
 </file>